--- a/Day1/F_case_master_NLP_supplemental.pptx
+++ b/Day1/F_case_master_NLP_supplemental.pptx
@@ -218,7 +218,7 @@
           <a:p>
             <a:fld id="{B0C0A60C-850A-4EA4-9C14-A8FE98B94505}" type="datetimeFigureOut">
               <a:rPr lang="en-US" smtClean="0"/>
-              <a:t>7/13/24</a:t>
+              <a:t>7/14/24</a:t>
             </a:fld>
             <a:endParaRPr lang="en-US"/>
           </a:p>
@@ -617,7 +617,7 @@
           <a:p>
             <a:fld id="{5738B90E-0779-4C36-915C-6F05FCD89456}" type="datetime1">
               <a:rPr lang="en-US" smtClean="0"/>
-              <a:t>7/13/24</a:t>
+              <a:t>7/14/24</a:t>
             </a:fld>
             <a:endParaRPr lang="en-US"/>
           </a:p>
@@ -794,7 +794,7 @@
           <a:p>
             <a:fld id="{7B9EA29D-D431-42FE-B7B6-AAE4454C77D3}" type="datetime1">
               <a:rPr lang="en-US" smtClean="0"/>
-              <a:t>7/13/24</a:t>
+              <a:t>7/14/24</a:t>
             </a:fld>
             <a:endParaRPr lang="en-US"/>
           </a:p>
@@ -1013,7 +1013,7 @@
           <a:p>
             <a:fld id="{690D8A1E-EA8F-46C1-B891-AE0C00D9C314}" type="datetime1">
               <a:rPr lang="en-US" smtClean="0"/>
-              <a:t>7/13/24</a:t>
+              <a:t>7/14/24</a:t>
             </a:fld>
             <a:endParaRPr lang="en-US"/>
           </a:p>
@@ -1266,7 +1266,7 @@
           <a:p>
             <a:fld id="{D753EFC8-4232-4598-94F6-94C0EBAFC469}" type="datetime1">
               <a:rPr lang="en-US" smtClean="0"/>
-              <a:t>7/13/24</a:t>
+              <a:t>7/14/24</a:t>
             </a:fld>
             <a:endParaRPr lang="en-US"/>
           </a:p>
@@ -1540,7 +1540,7 @@
           <a:p>
             <a:fld id="{F3161074-1C18-4AE7-957D-F18524378C85}" type="datetime1">
               <a:rPr lang="en-US" smtClean="0"/>
-              <a:t>7/13/24</a:t>
+              <a:t>7/14/24</a:t>
             </a:fld>
             <a:endParaRPr lang="en-US"/>
           </a:p>
@@ -1773,7 +1773,7 @@
           <a:p>
             <a:fld id="{69BE256C-8D9A-4404-B47D-41A1AE514425}" type="datetime1">
               <a:rPr lang="en-US" smtClean="0"/>
-              <a:t>7/13/24</a:t>
+              <a:t>7/14/24</a:t>
             </a:fld>
             <a:endParaRPr lang="en-US"/>
           </a:p>
@@ -2166,7 +2166,7 @@
           <a:p>
             <a:fld id="{66CB2154-9035-4012-8189-BAAB61C5A5EE}" type="datetime1">
               <a:rPr lang="en-US" smtClean="0"/>
-              <a:t>7/13/24</a:t>
+              <a:t>7/14/24</a:t>
             </a:fld>
             <a:endParaRPr lang="en-US"/>
           </a:p>
@@ -2299,7 +2299,7 @@
           <a:p>
             <a:fld id="{6700A58B-DD98-43D0-B791-721480A02982}" type="datetime1">
               <a:rPr lang="en-US" smtClean="0"/>
-              <a:t>7/13/24</a:t>
+              <a:t>7/14/24</a:t>
             </a:fld>
             <a:endParaRPr lang="en-US"/>
           </a:p>
@@ -2450,7 +2450,7 @@
           <a:p>
             <a:fld id="{7DB6E382-4F61-4E24-BE1A-377EC83D0E3A}" type="datetime1">
               <a:rPr lang="en-US" smtClean="0"/>
-              <a:t>7/13/24</a:t>
+              <a:t>7/14/24</a:t>
             </a:fld>
             <a:endParaRPr lang="en-US"/>
           </a:p>
@@ -2720,7 +2720,7 @@
           <a:p>
             <a:fld id="{4142EED6-FC16-45B9-B8C4-2BC5DBA88325}" type="datetime1">
               <a:rPr lang="en-US" smtClean="0"/>
-              <a:t>7/13/24</a:t>
+              <a:t>7/14/24</a:t>
             </a:fld>
             <a:endParaRPr lang="en-US"/>
           </a:p>
@@ -2997,7 +2997,7 @@
           <a:p>
             <a:fld id="{DF59512B-4F1D-43D7-8819-2F53FEF69650}" type="datetime1">
               <a:rPr lang="en-US" smtClean="0"/>
-              <a:t>7/13/24</a:t>
+              <a:t>7/14/24</a:t>
             </a:fld>
             <a:endParaRPr lang="en-US"/>
           </a:p>
@@ -3232,7 +3232,7 @@
           <a:p>
             <a:fld id="{08437B94-E2BF-44DC-ADC5-B05FC9934E9D}" type="datetime1">
               <a:rPr lang="en-US" smtClean="0"/>
-              <a:t>7/13/24</a:t>
+              <a:t>7/14/24</a:t>
             </a:fld>
             <a:endParaRPr lang="en-US"/>
           </a:p>
@@ -3727,7 +3727,7 @@
           <a:p>
             <a:fld id="{5738B90E-0779-4C36-915C-6F05FCD89456}" type="datetime1">
               <a:rPr lang="en-US" smtClean="0"/>
-              <a:t>7/13/24</a:t>
+              <a:t>7/14/24</a:t>
             </a:fld>
             <a:endParaRPr lang="en-US" dirty="0"/>
           </a:p>
@@ -3837,7 +3837,7 @@
           <a:p>
             <a:fld id="{6700A58B-DD98-43D0-B791-721480A02982}" type="datetime1">
               <a:rPr lang="en-US" smtClean="0"/>
-              <a:t>7/13/24</a:t>
+              <a:t>7/14/24</a:t>
             </a:fld>
             <a:endParaRPr lang="en-US"/>
           </a:p>
@@ -4684,7 +4684,7 @@
           <a:p>
             <a:fld id="{6700A58B-DD98-43D0-B791-721480A02982}" type="datetime1">
               <a:rPr lang="en-US" smtClean="0"/>
-              <a:t>7/13/24</a:t>
+              <a:t>7/14/24</a:t>
             </a:fld>
             <a:endParaRPr lang="en-US"/>
           </a:p>
@@ -5051,7 +5051,7 @@
           <p:nvPr>
             <p:extLst>
               <p:ext uri="{D42A27DB-BD31-4B8C-83A1-F6EECF244321}">
-                <p14:modId xmlns:p14="http://schemas.microsoft.com/office/powerpoint/2010/main" val="1826614532"/>
+                <p14:modId xmlns:p14="http://schemas.microsoft.com/office/powerpoint/2010/main" val="4099453202"/>
               </p:ext>
             </p:extLst>
           </p:nvPr>
@@ -5462,7 +5462,7 @@
                           </a:solidFill>
                           <a:latin typeface="Arial Unicode MS" panose="020B0604020202020204" pitchFamily="34" charset="-128"/>
                         </a:rPr>
-                        <a:t>Tweet1</a:t>
+                        <a:t>Doc1</a:t>
                       </a:r>
                     </a:p>
                   </a:txBody>
@@ -5640,7 +5640,7 @@
                           </a:solidFill>
                           <a:latin typeface="Arial Unicode MS" panose="020B0604020202020204" pitchFamily="34" charset="-128"/>
                         </a:rPr>
-                        <a:t>Tweet2</a:t>
+                        <a:t>Doc2</a:t>
                       </a:r>
                     </a:p>
                   </a:txBody>
@@ -5764,7 +5764,7 @@
                           </a:solidFill>
                           <a:latin typeface="Arial Unicode MS" panose="020B0604020202020204" pitchFamily="34" charset="-128"/>
                         </a:rPr>
-                        <a:t>Tweet3</a:t>
+                        <a:t>doc3</a:t>
                       </a:r>
                     </a:p>
                   </a:txBody>
@@ -6006,14 +6006,20 @@
                     <a:lstStyle/>
                     <a:p>
                       <a:r>
-                        <a:rPr lang="en-US" sz="1000" dirty="0">
+                        <a:rPr lang="en-US" sz="1000" dirty="0" err="1">
                           <a:solidFill>
                             <a:schemeClr val="bg1"/>
                           </a:solidFill>
                           <a:latin typeface="Arial Unicode MS" panose="020B0604020202020204" pitchFamily="34" charset="-128"/>
                         </a:rPr>
-                        <a:t>Tweet_n</a:t>
+                        <a:t>Doc_n</a:t>
                       </a:r>
+                      <a:endParaRPr lang="en-US" sz="1000" dirty="0">
+                        <a:solidFill>
+                          <a:schemeClr val="bg1"/>
+                        </a:solidFill>
+                        <a:latin typeface="Arial Unicode MS" panose="020B0604020202020204" pitchFamily="34" charset="-128"/>
+                      </a:endParaRPr>
                     </a:p>
                   </a:txBody>
                   <a:tcPr>
@@ -6716,7 +6722,7 @@
           <a:p>
             <a:fld id="{6700A58B-DD98-43D0-B791-721480A02982}" type="datetime1">
               <a:rPr lang="en-US" smtClean="0"/>
-              <a:t>7/13/24</a:t>
+              <a:t>7/14/24</a:t>
             </a:fld>
             <a:endParaRPr lang="en-US" dirty="0"/>
           </a:p>
@@ -6968,7 +6974,7 @@
           <a:p>
             <a:fld id="{6700A58B-DD98-43D0-B791-721480A02982}" type="datetime1">
               <a:rPr lang="en-US" smtClean="0"/>
-              <a:t>7/13/24</a:t>
+              <a:t>7/14/24</a:t>
             </a:fld>
             <a:endParaRPr lang="en-US" dirty="0"/>
           </a:p>
@@ -7308,7 +7314,7 @@
           <a:p>
             <a:fld id="{4142EED6-FC16-45B9-B8C4-2BC5DBA88325}" type="datetime1">
               <a:rPr lang="en-US" smtClean="0"/>
-              <a:t>7/13/24</a:t>
+              <a:t>7/14/24</a:t>
             </a:fld>
             <a:endParaRPr lang="en-US"/>
           </a:p>
@@ -7395,14 +7401,14 @@
           <a:effectLst/>
           <a:extLst>
             <a:ext uri="{909E8E84-426E-40dd-AFC4-6F175D3DCCD1}">
-              <a14:hiddenFill xmlns:a14="http://schemas.microsoft.com/office/drawing/2010/main" xmlns="">
+              <a14:hiddenFill xmlns="" xmlns:a14="http://schemas.microsoft.com/office/drawing/2010/main">
                 <a:solidFill>
                   <a:schemeClr val="accent1"/>
                 </a:solidFill>
               </a14:hiddenFill>
             </a:ext>
             <a:ext uri="{91240B29-F687-4f45-9708-019B960494DF}">
-              <a14:hiddenLine xmlns:a14="http://schemas.microsoft.com/office/drawing/2010/main" xmlns="" w="9525">
+              <a14:hiddenLine xmlns="" xmlns:a14="http://schemas.microsoft.com/office/drawing/2010/main" w="9525">
                 <a:solidFill>
                   <a:schemeClr val="tx1"/>
                 </a:solidFill>
@@ -7412,7 +7418,7 @@
               </a14:hiddenLine>
             </a:ext>
             <a:ext uri="{AF507438-7753-43e0-B8FC-AC1667EBCBE1}">
-              <a14:hiddenEffects xmlns:a14="http://schemas.microsoft.com/office/drawing/2010/main" xmlns="">
+              <a14:hiddenEffects xmlns="" xmlns:a14="http://schemas.microsoft.com/office/drawing/2010/main">
                 <a:effectLst>
                   <a:outerShdw dist="35921" dir="2700000" algn="ctr" rotWithShape="0">
                     <a:schemeClr val="bg2"/>
@@ -7567,14 +7573,14 @@
           <a:effectLst/>
           <a:extLst>
             <a:ext uri="{909E8E84-426E-40dd-AFC4-6F175D3DCCD1}">
-              <a14:hiddenFill xmlns:a14="http://schemas.microsoft.com/office/drawing/2010/main" xmlns="">
+              <a14:hiddenFill xmlns="" xmlns:a14="http://schemas.microsoft.com/office/drawing/2010/main">
                 <a:solidFill>
                   <a:schemeClr val="accent1"/>
                 </a:solidFill>
               </a14:hiddenFill>
             </a:ext>
             <a:ext uri="{91240B29-F687-4f45-9708-019B960494DF}">
-              <a14:hiddenLine xmlns:a14="http://schemas.microsoft.com/office/drawing/2010/main" xmlns="" w="9525">
+              <a14:hiddenLine xmlns="" xmlns:a14="http://schemas.microsoft.com/office/drawing/2010/main" w="9525">
                 <a:solidFill>
                   <a:schemeClr val="tx1"/>
                 </a:solidFill>
@@ -7584,7 +7590,7 @@
               </a14:hiddenLine>
             </a:ext>
             <a:ext uri="{AF507438-7753-43e0-B8FC-AC1667EBCBE1}">
-              <a14:hiddenEffects xmlns:a14="http://schemas.microsoft.com/office/drawing/2010/main" xmlns="">
+              <a14:hiddenEffects xmlns="" xmlns:a14="http://schemas.microsoft.com/office/drawing/2010/main">
                 <a:effectLst>
                   <a:outerShdw dist="35921" dir="2700000" algn="ctr" rotWithShape="0">
                     <a:schemeClr val="bg2"/>
@@ -7722,7 +7728,7 @@
           <a:p>
             <a:fld id="{4142EED6-FC16-45B9-B8C4-2BC5DBA88325}" type="datetime1">
               <a:rPr lang="en-US" smtClean="0"/>
-              <a:t>7/13/24</a:t>
+              <a:t>7/14/24</a:t>
             </a:fld>
             <a:endParaRPr lang="en-US" dirty="0"/>
           </a:p>
@@ -7904,7 +7910,7 @@
           <a:p>
             <a:fld id="{4142EED6-FC16-45B9-B8C4-2BC5DBA88325}" type="datetime1">
               <a:rPr lang="en-US" smtClean="0"/>
-              <a:t>7/13/24</a:t>
+              <a:t>7/14/24</a:t>
             </a:fld>
             <a:endParaRPr lang="en-US"/>
           </a:p>
@@ -8330,7 +8336,7 @@
           <a:p>
             <a:fld id="{6700A58B-DD98-43D0-B791-721480A02982}" type="datetime1">
               <a:rPr lang="en-US" smtClean="0"/>
-              <a:t>7/13/24</a:t>
+              <a:t>7/14/24</a:t>
             </a:fld>
             <a:endParaRPr lang="en-US"/>
           </a:p>
@@ -9088,7 +9094,7 @@
           <a:p>
             <a:fld id="{6700A58B-DD98-43D0-B791-721480A02982}" type="datetime1">
               <a:rPr lang="en-US" smtClean="0"/>
-              <a:t>7/13/24</a:t>
+              <a:t>7/14/24</a:t>
             </a:fld>
             <a:endParaRPr lang="en-US"/>
           </a:p>
@@ -10037,7 +10043,7 @@
             <a:fld id="{6700A58B-DD98-43D0-B791-721480A02982}" type="datetime1">
               <a:rPr lang="en-US" smtClean="0"/>
               <a:pPr/>
-              <a:t>7/13/24</a:t>
+              <a:t>7/14/24</a:t>
             </a:fld>
             <a:endParaRPr lang="en-US"/>
           </a:p>
@@ -10679,7 +10685,7 @@
           <a:p>
             <a:fld id="{6700A58B-DD98-43D0-B791-721480A02982}" type="datetime1">
               <a:rPr lang="en-US" smtClean="0"/>
-              <a:t>7/13/24</a:t>
+              <a:t>7/14/24</a:t>
             </a:fld>
             <a:endParaRPr lang="en-US"/>
           </a:p>
